--- a/기술서/5조기술서_이승준.pptx
+++ b/기술서/5조기술서_이승준.pptx
@@ -2,7 +2,7 @@
 <file path=ppt/presentation.xml><?xml version="1.0" encoding="utf-8"?>
 <p:presentation xmlns:r="http://schemas.openxmlformats.org/officeDocument/2006/relationships" xmlns:c="http://schemas.openxmlformats.org/drawingml/2006/chart" xmlns:a="http://schemas.openxmlformats.org/drawingml/2006/main" xmlns:dgm="http://schemas.openxmlformats.org/drawingml/2006/diagram" xmlns:dsp="http://schemas.microsoft.com/office/drawing/2008/diagram" xmlns:p="http://schemas.openxmlformats.org/presentationml/2006/main">
   <p:sldMasterIdLst>
-    <p:sldMasterId id="2147483672" r:id="rId1"/>
+    <p:sldMasterId id="2147483681" r:id="rId1"/>
   </p:sldMasterIdLst>
   <p:notesMasterIdLst>
     <p:notesMasterId r:id="rId2"/>
@@ -210,7 +210,7 @@
               <a:pPr lvl="0">
                 <a:defRPr/>
               </a:pPr>
-              <a:t>2022-01-04</a:t>
+              <a:t>2022-01-11</a:t>
             </a:fld>
             <a:endParaRPr kumimoji="1" lang="ko-KR" altLang="en-US"/>
           </a:p>
@@ -5433,7 +5433,7 @@
         <p:spPr>
           <a:xfrm>
             <a:off x="1230779" y="1564462"/>
-            <a:ext cx="4364069" cy="4200055"/>
+            <a:ext cx="4364069" cy="4205783"/>
           </a:xfrm>
           <a:prstGeom prst="rect">
             <a:avLst/>
@@ -5614,8 +5614,20 @@
               <a:defRPr/>
             </a:pPr>
             <a:r>
-              <a:rPr lang="ko-KR" altLang="en-US"/>
-              <a:t>레시피를 </a:t>
+              <a:rPr lang="en-US" altLang="ko-KR"/>
+              <a:t>pagination</a:t>
+            </a:r>
+            <a:r>
+              <a:rPr lang="ko-KR" altLang="en-US"/>
+              <a:t>을 사용하여 총 글의 수</a:t>
+            </a:r>
+            <a:r>
+              <a:rPr lang="en-US" altLang="ko-KR"/>
+              <a:t>,</a:t>
+            </a:r>
+            <a:r>
+              <a:rPr lang="ko-KR" altLang="en-US"/>
+              <a:t> 현재 페이지를 취득해서 그 페이지에 맞는 글을 </a:t>
             </a:r>
             <a:r>
               <a:rPr lang="en-US" altLang="ko-KR"/>
@@ -5623,7 +5635,7 @@
             </a:r>
             <a:r>
               <a:rPr lang="ko-KR" altLang="en-US"/>
-              <a:t>개씩 페이징해서 레시피 리스트를 불러와 리스트의 값만큼 레시피가 출력됩니다</a:t>
+              <a:t>개씩 보여줍니다</a:t>
             </a:r>
             <a:r>
               <a:rPr lang="en-US" altLang="ko-KR"/>
@@ -6280,15 +6292,7 @@
             </a:pPr>
             <a:r>
               <a:rPr lang="ko-KR" altLang="en-US"/>
-              <a:t>콜백함수를 이용하여 레시피 순서에 사진을 올리면 </a:t>
-            </a:r>
-            <a:r>
-              <a:rPr lang="en-US" altLang="ko-KR"/>
-              <a:t>AJAX</a:t>
-            </a:r>
-            <a:r>
-              <a:rPr lang="ko-KR" altLang="en-US"/>
-              <a:t>로 파일을 원하는 위치에 업로드 후 경로 값을 리턴해 줍니다</a:t>
+              <a:t>콜백함수를 이용하여 레시피 순서에 이미지를 업로드하면 이미지가 저장된 위치를 데이터에 저장해서 불러옵니다</a:t>
             </a:r>
             <a:r>
               <a:rPr lang="en-US" altLang="ko-KR"/>
@@ -6957,8 +6961,8 @@
         </p:nvSpPr>
         <p:spPr>
           <a:xfrm>
-            <a:off x="1106269" y="1747015"/>
-            <a:ext cx="4918138" cy="3650343"/>
+            <a:off x="1044817" y="1267691"/>
+            <a:ext cx="4918138" cy="5299580"/>
           </a:xfrm>
           <a:prstGeom prst="rect">
             <a:avLst/>
@@ -7062,15 +7066,15 @@
             </a:pPr>
             <a:r>
               <a:rPr lang="ko-KR" altLang="en-US"/>
-              <a:t>유저가 추천버튼을 누르면 추천이 손이 따봉표시로 바뀌면서 추천수가 </a:t>
+              <a:t>레시피 디테일 게시글에 들어올때 게시글</a:t>
             </a:r>
             <a:r>
               <a:rPr lang="en-US" altLang="ko-KR"/>
-              <a:t>1</a:t>
-            </a:r>
-            <a:r>
-              <a:rPr lang="ko-KR" altLang="en-US"/>
-              <a:t>올라간다</a:t>
+              <a:t> seq</a:t>
+            </a:r>
+            <a:r>
+              <a:rPr lang="ko-KR" altLang="en-US"/>
+              <a:t>값으로 현재 디테일 게시글에 좋아요를 누른 유저 리스트를 가지고 와서 현재 로그인한 아이디가 리스트에 있는지 비교하여 있으면 좋아요 표시로 하고 리스트에 없으면 싫어요 표시를 보여준다</a:t>
             </a:r>
             <a:r>
               <a:rPr lang="en-US" altLang="ko-KR"/>
@@ -7078,15 +7082,7 @@
             </a:r>
             <a:r>
               <a:rPr lang="ko-KR" altLang="en-US"/>
-              <a:t> 추천버튼을 누른 상태에서 다시 한번더 누르면 따봉손가락이 내려가면서 추천수가 </a:t>
-            </a:r>
-            <a:r>
-              <a:rPr lang="en-US" altLang="ko-KR"/>
-              <a:t>1</a:t>
-            </a:r>
-            <a:r>
-              <a:rPr lang="ko-KR" altLang="en-US"/>
-              <a:t>내려간다</a:t>
+              <a:t> 좋아요가 표시된 상태에서 다시 한번 클릭하면 게시글 번호와 로그인된 아이디를 가지고 가서 삭제해준다</a:t>
             </a:r>
             <a:r>
               <a:rPr lang="en-US" altLang="ko-KR"/>
@@ -7094,26 +7090,18 @@
             </a:r>
             <a:r>
               <a:rPr lang="ko-KR" altLang="en-US"/>
-              <a:t> </a:t>
-            </a:r>
-            <a:endParaRPr lang="ko-KR" altLang="en-US"/>
+              <a:t> 반대로 싫어요 상태에서 클릭하면 게시글 번호와 로그인된 아이디를 가지고 좋아요 리스트에 정보를 생성해준다</a:t>
+            </a:r>
+            <a:r>
+              <a:rPr lang="en-US" altLang="ko-KR"/>
+              <a:t>.</a:t>
+            </a:r>
+            <a:endParaRPr lang="en-US" altLang="ko-KR"/>
           </a:p>
           <a:p>
             <a:pPr>
               <a:defRPr/>
             </a:pPr>
-            <a:r>
-              <a:rPr lang="en-US" altLang="ko-KR"/>
-              <a:t>Ajax</a:t>
-            </a:r>
-            <a:r>
-              <a:rPr lang="ko-KR" altLang="en-US"/>
-              <a:t>를 사용하여 새로고침을 하지 않아도 바뀌는 것을 볼수있습니다</a:t>
-            </a:r>
-            <a:r>
-              <a:rPr lang="en-US" altLang="ko-KR"/>
-              <a:t>.</a:t>
-            </a:r>
             <a:endParaRPr lang="en-US" altLang="ko-KR"/>
           </a:p>
         </p:txBody>
@@ -7654,8 +7642,8 @@
         </p:nvSpPr>
         <p:spPr>
           <a:xfrm>
-            <a:off x="570877" y="1110004"/>
-            <a:ext cx="4469903" cy="3921337"/>
+            <a:off x="570877" y="1110003"/>
+            <a:ext cx="4469903" cy="4755491"/>
           </a:xfrm>
           <a:prstGeom prst="rect">
             <a:avLst/>
@@ -7671,119 +7659,163 @@
             </a:pPr>
             <a:r>
               <a:rPr lang="ko-KR" altLang="en-US"/>
-              <a:t>댓글내용을 입력하고 등록버튼을 누르면</a:t>
-            </a:r>
-            <a:endParaRPr lang="ko-KR" altLang="en-US"/>
+              <a:t>게시글 번호를 가지고 게시글에 댓글이 있는지 확인 할수있다</a:t>
+            </a:r>
+            <a:r>
+              <a:rPr lang="en-US" altLang="ko-KR"/>
+              <a:t>.</a:t>
+            </a:r>
+            <a:r>
+              <a:rPr lang="ko-KR" altLang="en-US"/>
+              <a:t> 댓글이 있다면 반복문을 사용하여 만들어둔 </a:t>
+            </a:r>
+            <a:r>
+              <a:rPr lang="en-US" altLang="ko-KR"/>
+              <a:t>html</a:t>
+            </a:r>
+            <a:r>
+              <a:rPr lang="ko-KR" altLang="en-US"/>
+              <a:t>코드를 넣은 변수에 댓글 작성자와 내용을 넣어서 출력해준다</a:t>
+            </a:r>
+            <a:r>
+              <a:rPr lang="en-US" altLang="ko-KR"/>
+              <a:t>.</a:t>
+            </a:r>
+            <a:r>
+              <a:rPr lang="ko-KR" altLang="en-US"/>
+              <a:t> 로그인한 아이디와 댓글 작성자 아이디를 비교해서 수정</a:t>
+            </a:r>
+            <a:r>
+              <a:rPr lang="en-US" altLang="ko-KR"/>
+              <a:t>/</a:t>
+            </a:r>
+            <a:r>
+              <a:rPr lang="ko-KR" altLang="en-US"/>
+              <a:t>삭제 버튼을보여준다</a:t>
+            </a:r>
+            <a:r>
+              <a:rPr lang="en-US" altLang="ko-KR"/>
+              <a:t>.</a:t>
+            </a:r>
+            <a:r>
+              <a:rPr lang="ko-KR" altLang="en-US"/>
+              <a:t> 대댓글일 경우</a:t>
+            </a:r>
+            <a:r>
+              <a:rPr lang="en-US" altLang="ko-KR"/>
+              <a:t>(step</a:t>
+            </a:r>
+            <a:r>
+              <a:rPr lang="ko-KR" altLang="en-US"/>
+              <a:t>이 </a:t>
+            </a:r>
+            <a:r>
+              <a:rPr lang="en-US" altLang="ko-KR"/>
+              <a:t>0</a:t>
+            </a:r>
+            <a:r>
+              <a:rPr lang="ko-KR" altLang="en-US"/>
+              <a:t>이 아닌겨우</a:t>
+            </a:r>
+            <a:r>
+              <a:rPr lang="en-US" altLang="ko-KR"/>
+              <a:t>)</a:t>
+            </a:r>
+            <a:r>
+              <a:rPr lang="ko-KR" altLang="en-US"/>
+              <a:t>는 댓글보다 뒤로 밀려있다</a:t>
+            </a:r>
+            <a:r>
+              <a:rPr lang="en-US" altLang="ko-KR"/>
+              <a:t>.</a:t>
+            </a:r>
+            <a:endParaRPr lang="en-US" altLang="ko-KR"/>
           </a:p>
           <a:p>
             <a:pPr>
               <a:defRPr/>
             </a:pPr>
             <a:r>
+              <a:rPr lang="ko-KR" altLang="en-US"/>
+              <a:t>댓글내용을 입력하고 등록버튼을 클릭하면 </a:t>
+            </a:r>
+            <a:r>
               <a:rPr lang="en-US" altLang="ko-KR"/>
-              <a:t>Ajax</a:t>
-            </a:r>
-            <a:r>
-              <a:rPr lang="ko-KR" altLang="en-US"/>
-              <a:t>를 이용하여 새로고침없이 바로 댓글 리스트에 글이 올라갑니다</a:t>
+              <a:t>ajax</a:t>
+            </a:r>
+            <a:r>
+              <a:rPr lang="ko-KR" altLang="en-US"/>
+              <a:t>를 이용하여 댓글내용</a:t>
+            </a:r>
+            <a:r>
+              <a:rPr lang="en-US" altLang="ko-KR"/>
+              <a:t>,</a:t>
+            </a:r>
+            <a:r>
+              <a:rPr lang="ko-KR" altLang="en-US"/>
+              <a:t> 작성자 아이디</a:t>
+            </a:r>
+            <a:r>
+              <a:rPr lang="en-US" altLang="ko-KR"/>
+              <a:t>,</a:t>
+            </a:r>
+            <a:r>
+              <a:rPr lang="ko-KR" altLang="en-US"/>
+              <a:t> 게시글 번호를 보내서 댓글을 생성해준다</a:t>
             </a:r>
             <a:r>
               <a:rPr lang="en-US" altLang="ko-KR"/>
               <a:t>.</a:t>
             </a:r>
-            <a:endParaRPr lang="en-US" altLang="ko-KR"/>
+            <a:endParaRPr lang="ko-KR" altLang="en-US"/>
           </a:p>
           <a:p>
             <a:pPr>
               <a:defRPr/>
             </a:pPr>
-            <a:endParaRPr lang="en-US" altLang="ko-KR"/>
+            <a:r>
+              <a:rPr lang="ko-KR" altLang="en-US"/>
+              <a:t>댓글에 답글을 클릭하면 내용이 없고 </a:t>
+            </a:r>
+            <a:r>
+              <a:rPr lang="en-US" altLang="ko-KR"/>
+              <a:t>step</a:t>
+            </a:r>
+            <a:r>
+              <a:rPr lang="ko-KR" altLang="en-US"/>
+              <a:t>값이 </a:t>
+            </a:r>
+            <a:r>
+              <a:rPr lang="en-US" altLang="ko-KR"/>
+              <a:t>1</a:t>
+            </a:r>
+            <a:r>
+              <a:rPr lang="ko-KR" altLang="en-US"/>
+              <a:t>인 답글이 만들어 진다</a:t>
+            </a:r>
+            <a:r>
+              <a:rPr lang="en-US" altLang="ko-KR"/>
+              <a:t>.</a:t>
+            </a:r>
+            <a:r>
+              <a:rPr lang="ko-KR" altLang="en-US"/>
+              <a:t> 내용을 입력 후 저장버튼을 누르면 답글내용이 업데이트 되면서 답글이 만들어진다</a:t>
+            </a:r>
+            <a:r>
+              <a:rPr lang="en-US" altLang="ko-KR"/>
+              <a:t>.</a:t>
+            </a:r>
+            <a:r>
+              <a:rPr lang="ko-KR" altLang="en-US"/>
+              <a:t> </a:t>
+            </a:r>
+            <a:endParaRPr lang="ko-KR" altLang="en-US"/>
           </a:p>
           <a:p>
             <a:pPr>
               <a:defRPr/>
             </a:pPr>
-            <a:r>
-              <a:rPr lang="ko-KR" altLang="en-US"/>
-              <a:t>댓글에 답글을 클릭하면 내용이없고 </a:t>
-            </a:r>
-            <a:r>
-              <a:rPr lang="en-US" altLang="ko-KR"/>
-              <a:t>step</a:t>
-            </a:r>
-            <a:r>
-              <a:rPr lang="ko-KR" altLang="en-US"/>
-              <a:t>값이 </a:t>
-            </a:r>
-            <a:r>
-              <a:rPr lang="en-US" altLang="ko-KR"/>
-              <a:t>1</a:t>
-            </a:r>
-            <a:r>
-              <a:rPr lang="ko-KR" altLang="en-US"/>
-              <a:t>인 댓글이 만들어지고 댓글내용을 </a:t>
-            </a:r>
             <a:endParaRPr lang="ko-KR" altLang="en-US"/>
-          </a:p>
-          <a:p>
-            <a:pPr>
-              <a:defRPr/>
-            </a:pPr>
-            <a:r>
-              <a:rPr lang="ko-KR" altLang="en-US"/>
-              <a:t>입력후 저장버튼을 누르면 대댓글이 만들어집니다</a:t>
-            </a:r>
-            <a:r>
-              <a:rPr lang="en-US" altLang="ko-KR"/>
-              <a:t>.</a:t>
-            </a:r>
-            <a:endParaRPr lang="en-US" altLang="ko-KR"/>
-          </a:p>
-          <a:p>
-            <a:pPr>
-              <a:defRPr/>
-            </a:pPr>
-            <a:endParaRPr lang="en-US" altLang="ko-KR"/>
-          </a:p>
-          <a:p>
-            <a:pPr>
-              <a:defRPr/>
-            </a:pPr>
-            <a:r>
-              <a:rPr lang="ko-KR" altLang="en-US"/>
-              <a:t>댓글 수정</a:t>
-            </a:r>
-            <a:r>
-              <a:rPr lang="en-US" altLang="ko-KR"/>
-              <a:t>,</a:t>
-            </a:r>
-            <a:r>
-              <a:rPr lang="ko-KR" altLang="en-US"/>
-              <a:t> 삭제버튼은 댓글을 작성한 본인에게만 버튼이 표시됩니다</a:t>
-            </a:r>
-            <a:r>
-              <a:rPr lang="en-US" altLang="ko-KR"/>
-              <a:t>.</a:t>
-            </a:r>
-            <a:endParaRPr lang="en-US" altLang="ko-KR"/>
-          </a:p>
-          <a:p>
-            <a:pPr>
-              <a:defRPr/>
-            </a:pPr>
-            <a:endParaRPr lang="en-US" altLang="ko-KR"/>
-          </a:p>
-          <a:p>
-            <a:pPr>
-              <a:defRPr/>
-            </a:pPr>
-            <a:endParaRPr lang="en-US" altLang="ko-KR"/>
-          </a:p>
-          <a:p>
-            <a:pPr>
-              <a:defRPr/>
-            </a:pPr>
-            <a:endParaRPr lang="en-US" altLang="ko-KR"/>
           </a:p>
         </p:txBody>
       </p:sp>
